--- a/slides/k8 workshop deck-Day-3 -v 1.0.pptx
+++ b/slides/k8 workshop deck-Day-3 -v 1.0.pptx
@@ -232,7 +232,7 @@
           <a:p>
             <a:fld id="{7E66C1F4-336D-406F-A4E3-469B7C7928C1}" type="datetimeFigureOut">
               <a:rPr lang="en-US" smtClean="0"/>
-              <a:t>7/14/2020</a:t>
+              <a:t>7/15/2020</a:t>
             </a:fld>
             <a:endParaRPr lang="en-US"/>
           </a:p>
@@ -646,7 +646,7 @@
           <a:p>
             <a:fld id="{9F676445-4E76-40F2-BC06-7FA531814684}" type="datetimeFigureOut">
               <a:rPr lang="en-US" smtClean="0"/>
-              <a:t>7/14/2020</a:t>
+              <a:t>7/15/2020</a:t>
             </a:fld>
             <a:endParaRPr lang="en-US"/>
           </a:p>
@@ -844,7 +844,7 @@
           <a:p>
             <a:fld id="{9F676445-4E76-40F2-BC06-7FA531814684}" type="datetimeFigureOut">
               <a:rPr lang="en-US" smtClean="0"/>
-              <a:t>7/14/2020</a:t>
+              <a:t>7/15/2020</a:t>
             </a:fld>
             <a:endParaRPr lang="en-US"/>
           </a:p>
@@ -1052,7 +1052,7 @@
           <a:p>
             <a:fld id="{9F676445-4E76-40F2-BC06-7FA531814684}" type="datetimeFigureOut">
               <a:rPr lang="en-US" smtClean="0"/>
-              <a:t>7/14/2020</a:t>
+              <a:t>7/15/2020</a:t>
             </a:fld>
             <a:endParaRPr lang="en-US"/>
           </a:p>
@@ -2226,7 +2226,7 @@
           <a:p>
             <a:fld id="{9F676445-4E76-40F2-BC06-7FA531814684}" type="datetimeFigureOut">
               <a:rPr lang="en-US" smtClean="0"/>
-              <a:t>7/14/2020</a:t>
+              <a:t>7/15/2020</a:t>
             </a:fld>
             <a:endParaRPr lang="en-US"/>
           </a:p>
@@ -4370,7 +4370,7 @@
           <a:p>
             <a:fld id="{9F676445-4E76-40F2-BC06-7FA531814684}" type="datetimeFigureOut">
               <a:rPr lang="en-US" smtClean="0"/>
-              <a:t>7/14/2020</a:t>
+              <a:t>7/15/2020</a:t>
             </a:fld>
             <a:endParaRPr lang="en-US"/>
           </a:p>
@@ -7219,7 +7219,7 @@
           <a:p>
             <a:fld id="{9F676445-4E76-40F2-BC06-7FA531814684}" type="datetimeFigureOut">
               <a:rPr lang="en-US" smtClean="0"/>
-              <a:t>7/14/2020</a:t>
+              <a:t>7/15/2020</a:t>
             </a:fld>
             <a:endParaRPr lang="en-US"/>
           </a:p>
@@ -8796,7 +8796,7 @@
           <a:p>
             <a:fld id="{9F676445-4E76-40F2-BC06-7FA531814684}" type="datetimeFigureOut">
               <a:rPr lang="en-US" smtClean="0"/>
-              <a:t>7/14/2020</a:t>
+              <a:t>7/15/2020</a:t>
             </a:fld>
             <a:endParaRPr lang="en-US"/>
           </a:p>
@@ -11330,7 +11330,7 @@
           <a:p>
             <a:fld id="{9F676445-4E76-40F2-BC06-7FA531814684}" type="datetimeFigureOut">
               <a:rPr lang="en-US" smtClean="0"/>
-              <a:t>7/14/2020</a:t>
+              <a:t>7/15/2020</a:t>
             </a:fld>
             <a:endParaRPr lang="en-US"/>
           </a:p>
@@ -13086,7 +13086,7 @@
           <a:p>
             <a:fld id="{9F676445-4E76-40F2-BC06-7FA531814684}" type="datetimeFigureOut">
               <a:rPr lang="en-US" smtClean="0"/>
-              <a:t>7/14/2020</a:t>
+              <a:t>7/15/2020</a:t>
             </a:fld>
             <a:endParaRPr lang="en-US"/>
           </a:p>
@@ -13604,7 +13604,7 @@
           <a:p>
             <a:fld id="{9F676445-4E76-40F2-BC06-7FA531814684}" type="datetimeFigureOut">
               <a:rPr lang="en-US" smtClean="0"/>
-              <a:t>7/14/2020</a:t>
+              <a:t>7/15/2020</a:t>
             </a:fld>
             <a:endParaRPr lang="en-US"/>
           </a:p>
@@ -13892,7 +13892,7 @@
           <a:p>
             <a:fld id="{9F676445-4E76-40F2-BC06-7FA531814684}" type="datetimeFigureOut">
               <a:rPr lang="en-US" smtClean="0"/>
-              <a:t>7/14/2020</a:t>
+              <a:t>7/15/2020</a:t>
             </a:fld>
             <a:endParaRPr lang="en-US"/>
           </a:p>
@@ -14133,7 +14133,7 @@
           <a:p>
             <a:fld id="{9F676445-4E76-40F2-BC06-7FA531814684}" type="datetimeFigureOut">
               <a:rPr lang="en-US" smtClean="0"/>
-              <a:t>7/14/2020</a:t>
+              <a:t>7/15/2020</a:t>
             </a:fld>
             <a:endParaRPr lang="en-US"/>
           </a:p>
@@ -19276,7 +19276,7 @@
               <a:rPr lang="en-US" sz="3200" dirty="0">
                 <a:latin typeface="ArialMT"/>
               </a:rPr>
-              <a:t>User Authentication and Authorization in Kubernetes</a:t>
+              <a:t>Authentication and Authorization in Kubernetes</a:t>
             </a:r>
             <a:endParaRPr lang="en-US" sz="3200" dirty="0"/>
           </a:p>
@@ -21704,7 +21704,7 @@
                   <a:srgbClr val="444444"/>
                 </a:solidFill>
               </a:rPr>
-              <a:t>Is a set of rules to map allowed operations on set of resources in a namespace (ns1) or cluster</a:t>
+              <a:t>Is a set of rules to map allowed operations on set of resources in a namespace  or cluster</a:t>
             </a:r>
             <a:endParaRPr lang="en-US" sz="2500" dirty="0"/>
           </a:p>

--- a/slides/k8 workshop deck-Day-3 -v 1.0.pptx
+++ b/slides/k8 workshop deck-Day-3 -v 1.0.pptx
@@ -232,7 +232,7 @@
           <a:p>
             <a:fld id="{7E66C1F4-336D-406F-A4E3-469B7C7928C1}" type="datetimeFigureOut">
               <a:rPr lang="en-US" smtClean="0"/>
-              <a:t>7/15/2020</a:t>
+              <a:t>7/16/2020</a:t>
             </a:fld>
             <a:endParaRPr lang="en-US"/>
           </a:p>
@@ -13944,7 +13944,7 @@
         <p:spPr>
           <a:xfrm>
             <a:off x="943881" y="5912497"/>
-            <a:ext cx="9223376" cy="646331"/>
+            <a:ext cx="9223376" cy="369332"/>
           </a:xfrm>
           <a:prstGeom prst="rect">
             <a:avLst/>
@@ -13960,21 +13960,7 @@
               <a:rPr lang="en-US" dirty="0">
                 <a:latin typeface="6"/>
               </a:rPr>
-              <a:t>Pods in other namespaces can access the Service by adding the</a:t>
-            </a:r>
-          </a:p>
-          <a:p>
-            <a:r>
-              <a:rPr lang="en-US" dirty="0">
-                <a:latin typeface="ArialMT"/>
-              </a:rPr>
-              <a:t>○ </a:t>
-            </a:r>
-            <a:r>
-              <a:rPr lang="en-US" dirty="0">
-                <a:latin typeface="6"/>
-              </a:rPr>
-              <a:t>namespace to the DNS path</a:t>
+              <a:t>Pods in other namespaces can access the Service by adding the namespace to the DNS path</a:t>
             </a:r>
             <a:endParaRPr lang="en-US" dirty="0"/>
           </a:p>

--- a/slides/k8 workshop deck-Day-3 -v 1.0.pptx
+++ b/slides/k8 workshop deck-Day-3 -v 1.0.pptx
@@ -14,7 +14,7 @@
     <p:sldId id="1943" r:id="rId5"/>
     <p:sldId id="1973" r:id="rId6"/>
     <p:sldId id="1834" r:id="rId7"/>
-    <p:sldId id="1944" r:id="rId8"/>
+    <p:sldId id="2050" r:id="rId8"/>
     <p:sldId id="1945" r:id="rId9"/>
     <p:sldId id="1946" r:id="rId10"/>
     <p:sldId id="1947" r:id="rId11"/>
@@ -24,20 +24,20 @@
     <p:sldId id="1951" r:id="rId15"/>
     <p:sldId id="1952" r:id="rId16"/>
     <p:sldId id="2048" r:id="rId17"/>
-    <p:sldId id="1953" r:id="rId18"/>
-    <p:sldId id="1955" r:id="rId19"/>
+    <p:sldId id="2051" r:id="rId18"/>
+    <p:sldId id="2052" r:id="rId19"/>
     <p:sldId id="1954" r:id="rId20"/>
     <p:sldId id="1956" r:id="rId21"/>
     <p:sldId id="1957" r:id="rId22"/>
     <p:sldId id="1958" r:id="rId23"/>
     <p:sldId id="1968" r:id="rId24"/>
     <p:sldId id="1969" r:id="rId25"/>
-    <p:sldId id="1959" r:id="rId26"/>
+    <p:sldId id="2053" r:id="rId26"/>
     <p:sldId id="1960" r:id="rId27"/>
-    <p:sldId id="1961" r:id="rId28"/>
-    <p:sldId id="1962" r:id="rId29"/>
-    <p:sldId id="1963" r:id="rId30"/>
-    <p:sldId id="1964" r:id="rId31"/>
+    <p:sldId id="2054" r:id="rId28"/>
+    <p:sldId id="1961" r:id="rId29"/>
+    <p:sldId id="1964" r:id="rId30"/>
+    <p:sldId id="2055" r:id="rId31"/>
     <p:sldId id="1965" r:id="rId32"/>
     <p:sldId id="1966" r:id="rId33"/>
     <p:sldId id="1967" r:id="rId34"/>
@@ -232,7 +232,7 @@
           <a:p>
             <a:fld id="{7E66C1F4-336D-406F-A4E3-469B7C7928C1}" type="datetimeFigureOut">
               <a:rPr lang="en-US" smtClean="0"/>
-              <a:t>7/16/2020</a:t>
+              <a:t>7/17/2020</a:t>
             </a:fld>
             <a:endParaRPr lang="en-US"/>
           </a:p>
@@ -15619,10 +15619,10 @@
       </p:grpSpPr>
       <p:sp>
         <p:nvSpPr>
-          <p:cNvPr id="5" name="Rectangle 4">
+          <p:cNvPr id="3" name="CustomShape 4">
             <a:extLst>
               <a:ext uri="{FF2B5EF4-FFF2-40B4-BE49-F238E27FC236}">
-                <a16:creationId xmlns:a16="http://schemas.microsoft.com/office/drawing/2014/main" id="{C8A49E95-20C6-4113-91A1-63739D01D64D}"/>
+                <a16:creationId xmlns:a16="http://schemas.microsoft.com/office/drawing/2014/main" id="{6743A55D-8950-48EE-B4C3-39CBE743A18D}"/>
               </a:ext>
             </a:extLst>
           </p:cNvPr>
@@ -15631,8 +15631,8 @@
         </p:nvSpPr>
         <p:spPr>
           <a:xfrm>
-            <a:off x="322489" y="2911999"/>
-            <a:ext cx="11542940" cy="517001"/>
+            <a:off x="276534" y="2911999"/>
+            <a:ext cx="11201091" cy="517001"/>
           </a:xfrm>
           <a:prstGeom prst="rect">
             <a:avLst/>
@@ -15655,11 +15655,9 @@
             <a:r>
               <a:rPr lang="en-US" sz="3733" dirty="0">
                 <a:solidFill>
-                  <a:schemeClr val="bg1"/>
+                  <a:schemeClr val="tx2"/>
                 </a:solidFill>
                 <a:latin typeface="Arial" panose="020B0604020202020204" pitchFamily="34" charset="0"/>
-                <a:ea typeface="+mj-ea"/>
-                <a:cs typeface="+mj-cs"/>
               </a:rPr>
               <a:t>User Authentication and Authorization in Kubernetes</a:t>
             </a:r>
@@ -15669,7 +15667,7 @@
     </p:spTree>
     <p:extLst>
       <p:ext uri="{BB962C8B-B14F-4D97-AF65-F5344CB8AC3E}">
-        <p14:creationId xmlns:p14="http://schemas.microsoft.com/office/powerpoint/2010/main" val="2066343419"/>
+        <p14:creationId xmlns:p14="http://schemas.microsoft.com/office/powerpoint/2010/main" val="3281121634"/>
       </p:ext>
     </p:extLst>
   </p:cSld>
@@ -15698,10 +15696,10 @@
       </p:grpSpPr>
       <p:sp>
         <p:nvSpPr>
-          <p:cNvPr id="5" name="Rectangle 4">
+          <p:cNvPr id="3" name="CustomShape 4">
             <a:extLst>
               <a:ext uri="{FF2B5EF4-FFF2-40B4-BE49-F238E27FC236}">
-                <a16:creationId xmlns:a16="http://schemas.microsoft.com/office/drawing/2014/main" id="{C8A49E95-20C6-4113-91A1-63739D01D64D}"/>
+                <a16:creationId xmlns:a16="http://schemas.microsoft.com/office/drawing/2014/main" id="{6743A55D-8950-48EE-B4C3-39CBE743A18D}"/>
               </a:ext>
             </a:extLst>
           </p:cNvPr>
@@ -15710,8 +15708,8 @@
         </p:nvSpPr>
         <p:spPr>
           <a:xfrm>
-            <a:off x="488496" y="3016028"/>
-            <a:ext cx="8274504" cy="517001"/>
+            <a:off x="276534" y="2911999"/>
+            <a:ext cx="11201091" cy="517001"/>
           </a:xfrm>
           <a:prstGeom prst="rect">
             <a:avLst/>
@@ -15734,11 +15732,9 @@
             <a:r>
               <a:rPr lang="en-US" sz="3733" dirty="0">
                 <a:solidFill>
-                  <a:schemeClr val="bg1"/>
+                  <a:schemeClr val="tx2"/>
                 </a:solidFill>
                 <a:latin typeface="Arial" panose="020B0604020202020204" pitchFamily="34" charset="0"/>
-                <a:ea typeface="+mj-ea"/>
-                <a:cs typeface="+mj-cs"/>
               </a:rPr>
               <a:t>Kubernetes Authentication</a:t>
             </a:r>
@@ -15748,7 +15744,7 @@
     </p:spTree>
     <p:extLst>
       <p:ext uri="{BB962C8B-B14F-4D97-AF65-F5344CB8AC3E}">
-        <p14:creationId xmlns:p14="http://schemas.microsoft.com/office/powerpoint/2010/main" val="3794474684"/>
+        <p14:creationId xmlns:p14="http://schemas.microsoft.com/office/powerpoint/2010/main" val="2540712588"/>
       </p:ext>
     </p:extLst>
   </p:cSld>
@@ -17639,10 +17635,10 @@
       </p:grpSpPr>
       <p:sp>
         <p:nvSpPr>
-          <p:cNvPr id="5" name="Rectangle 4">
+          <p:cNvPr id="3" name="CustomShape 4">
             <a:extLst>
               <a:ext uri="{FF2B5EF4-FFF2-40B4-BE49-F238E27FC236}">
-                <a16:creationId xmlns:a16="http://schemas.microsoft.com/office/drawing/2014/main" id="{C8A49E95-20C6-4113-91A1-63739D01D64D}"/>
+                <a16:creationId xmlns:a16="http://schemas.microsoft.com/office/drawing/2014/main" id="{6743A55D-8950-48EE-B4C3-39CBE743A18D}"/>
               </a:ext>
             </a:extLst>
           </p:cNvPr>
@@ -17651,8 +17647,8 @@
         </p:nvSpPr>
         <p:spPr>
           <a:xfrm>
-            <a:off x="488496" y="3170499"/>
-            <a:ext cx="5314950" cy="517001"/>
+            <a:off x="276534" y="2911999"/>
+            <a:ext cx="11201091" cy="517001"/>
           </a:xfrm>
           <a:prstGeom prst="rect">
             <a:avLst/>
@@ -17675,11 +17671,9 @@
             <a:r>
               <a:rPr lang="en-US" sz="3733" dirty="0">
                 <a:solidFill>
-                  <a:schemeClr val="bg1"/>
+                  <a:schemeClr val="tx2"/>
                 </a:solidFill>
                 <a:latin typeface="Arial" panose="020B0604020202020204" pitchFamily="34" charset="0"/>
-                <a:ea typeface="+mj-ea"/>
-                <a:cs typeface="+mj-cs"/>
               </a:rPr>
               <a:t>Kubernetes Authorization</a:t>
             </a:r>
@@ -17689,7 +17683,7 @@
     </p:spTree>
     <p:extLst>
       <p:ext uri="{BB962C8B-B14F-4D97-AF65-F5344CB8AC3E}">
-        <p14:creationId xmlns:p14="http://schemas.microsoft.com/office/powerpoint/2010/main" val="3444921030"/>
+        <p14:creationId xmlns:p14="http://schemas.microsoft.com/office/powerpoint/2010/main" val="1814439064"/>
       </p:ext>
     </p:extLst>
   </p:cSld>
@@ -18043,40 +18037,6 @@
       </p:grpSpPr>
       <p:sp>
         <p:nvSpPr>
-          <p:cNvPr id="5" name="Rectangle 4">
-            <a:extLst>
-              <a:ext uri="{FF2B5EF4-FFF2-40B4-BE49-F238E27FC236}">
-                <a16:creationId xmlns:a16="http://schemas.microsoft.com/office/drawing/2014/main" id="{C8A49E95-20C6-4113-91A1-63739D01D64D}"/>
-              </a:ext>
-            </a:extLst>
-          </p:cNvPr>
-          <p:cNvSpPr/>
-          <p:nvPr/>
-        </p:nvSpPr>
-        <p:spPr>
-          <a:xfrm>
-            <a:off x="835914" y="1095264"/>
-            <a:ext cx="7485126" cy="461665"/>
-          </a:xfrm>
-          <a:prstGeom prst="rect">
-            <a:avLst/>
-          </a:prstGeom>
-        </p:spPr>
-        <p:txBody>
-          <a:bodyPr wrap="square">
-            <a:spAutoFit/>
-          </a:bodyPr>
-          <a:lstStyle/>
-          <a:p>
-            <a:r>
-              <a:rPr lang="en-US" sz="2400" dirty="0"/>
-              <a:t>RBAC - </a:t>
-            </a:r>
-          </a:p>
-        </p:txBody>
-      </p:sp>
-      <p:sp>
-        <p:nvSpPr>
           <p:cNvPr id="3" name="Rectangle 2">
             <a:extLst>
               <a:ext uri="{FF2B5EF4-FFF2-40B4-BE49-F238E27FC236}">
@@ -18090,7 +18050,7 @@
         <p:spPr>
           <a:xfrm>
             <a:off x="1061466" y="1707565"/>
-            <a:ext cx="6601206" cy="646331"/>
+            <a:ext cx="8676894" cy="400110"/>
           </a:xfrm>
           <a:prstGeom prst="rect">
             <a:avLst/>
@@ -18102,19 +18062,19 @@
           </a:bodyPr>
           <a:lstStyle/>
           <a:p>
-            <a:pPr marL="285750" indent="-285750">
-              <a:buFont typeface="Arial" panose="020B0604020202020204" pitchFamily="34" charset="0"/>
-              <a:buChar char="•"/>
-            </a:pPr>
-            <a:r>
-              <a:rPr lang="en-US" dirty="0">
-                <a:solidFill>
-                  <a:srgbClr val="444444"/>
-                </a:solidFill>
-              </a:rPr>
-              <a:t>Is a set of rules to map allowed operations on set of resources in a namespace (ns1) or cluster</a:t>
-            </a:r>
-            <a:endParaRPr lang="en-US" sz="2500" dirty="0"/>
+            <a:r>
+              <a:rPr lang="en-US" sz="2000" dirty="0">
+                <a:latin typeface="ArialMT"/>
+              </a:rPr>
+              <a:t>Subjects: </a:t>
+            </a:r>
+            <a:r>
+              <a:rPr lang="en-US" sz="1600" dirty="0">
+                <a:latin typeface="ArialMT"/>
+              </a:rPr>
+              <a:t>The set of users and processes that want to access the Kubernetes API.</a:t>
+            </a:r>
+            <a:endParaRPr lang="en-US" sz="1600" dirty="0"/>
           </a:p>
         </p:txBody>
       </p:sp>
@@ -18148,8 +18108,9 @@
               <a:rPr lang="en-US" sz="4000" dirty="0">
                 <a:latin typeface="ArialMT"/>
               </a:rPr>
-              <a:t>Role Based Access Control (RBAC)</a:t>
-            </a:r>
+              <a:t>RBAC – Key Concepts</a:t>
+            </a:r>
+            <a:endParaRPr lang="en-US" sz="4000" dirty="0"/>
           </a:p>
         </p:txBody>
       </p:sp>
@@ -18158,7 +18119,7 @@
           <p:cNvPr id="11" name="Rectangle 10">
             <a:extLst>
               <a:ext uri="{FF2B5EF4-FFF2-40B4-BE49-F238E27FC236}">
-                <a16:creationId xmlns:a16="http://schemas.microsoft.com/office/drawing/2014/main" id="{1819DDC3-139D-4429-8A15-F3BED83BCB19}"/>
+                <a16:creationId xmlns:a16="http://schemas.microsoft.com/office/drawing/2014/main" id="{EDDBB0CE-FFA6-446A-8754-5F833B7AC427}"/>
               </a:ext>
             </a:extLst>
           </p:cNvPr>
@@ -18167,8 +18128,8 @@
         </p:nvSpPr>
         <p:spPr>
           <a:xfrm>
-            <a:off x="1061466" y="2330225"/>
-            <a:ext cx="6601206" cy="369332"/>
+            <a:off x="1061466" y="2556332"/>
+            <a:ext cx="8759190" cy="954107"/>
           </a:xfrm>
           <a:prstGeom prst="rect">
             <a:avLst/>
@@ -18180,15 +18141,44 @@
           </a:bodyPr>
           <a:lstStyle/>
           <a:p>
-            <a:pPr marL="285750" indent="-285750">
-              <a:buFont typeface="Arial" panose="020B0604020202020204" pitchFamily="34" charset="0"/>
-              <a:buChar char="•"/>
-            </a:pPr>
-            <a:r>
-              <a:rPr lang="en-US" dirty="0"/>
-              <a:t>Configurable via API</a:t>
-            </a:r>
-            <a:endParaRPr lang="en-US" sz="2500" dirty="0"/>
+            <a:r>
+              <a:rPr lang="en-US" sz="2000" dirty="0">
+                <a:latin typeface="ArialMT"/>
+              </a:rPr>
+              <a:t>Resources:</a:t>
+            </a:r>
+            <a:r>
+              <a:rPr lang="en-US" sz="2400" dirty="0">
+                <a:latin typeface="ArialMT"/>
+              </a:rPr>
+              <a:t> </a:t>
+            </a:r>
+            <a:r>
+              <a:rPr lang="en-US" sz="1600" dirty="0"/>
+              <a:t>The set of Kubernetes API Objects available in the cluster. Examples include</a:t>
+            </a:r>
+            <a:br>
+              <a:rPr lang="en-US" sz="1600" dirty="0"/>
+            </a:br>
+            <a:r>
+              <a:rPr lang="en-US" sz="1600" dirty="0"/>
+              <a:t>                             Pods, Deployments, Services, Nodes, and </a:t>
+            </a:r>
+            <a:r>
+              <a:rPr lang="en-US" sz="1600" dirty="0" err="1"/>
+              <a:t>PersistentVolumes</a:t>
+            </a:r>
+            <a:r>
+              <a:rPr lang="en-US" sz="1600" dirty="0"/>
+              <a:t>, among</a:t>
+            </a:r>
+            <a:br>
+              <a:rPr lang="en-US" sz="1600" dirty="0"/>
+            </a:br>
+            <a:r>
+              <a:rPr lang="en-US" sz="1600" dirty="0"/>
+              <a:t>                             others. </a:t>
+            </a:r>
           </a:p>
         </p:txBody>
       </p:sp>
@@ -18197,7 +18187,7 @@
           <p:cNvPr id="13" name="Rectangle 12">
             <a:extLst>
               <a:ext uri="{FF2B5EF4-FFF2-40B4-BE49-F238E27FC236}">
-                <a16:creationId xmlns:a16="http://schemas.microsoft.com/office/drawing/2014/main" id="{BA5C7ABD-FDBF-47C3-8CE9-0C8959576E9D}"/>
+                <a16:creationId xmlns:a16="http://schemas.microsoft.com/office/drawing/2014/main" id="{72B47DF3-4123-48E6-9D4B-35134A41624C}"/>
               </a:ext>
             </a:extLst>
           </p:cNvPr>
@@ -18206,8 +18196,8 @@
         </p:nvSpPr>
         <p:spPr>
           <a:xfrm>
-            <a:off x="1061466" y="2739735"/>
-            <a:ext cx="7680198" cy="369332"/>
+            <a:off x="1061466" y="3659708"/>
+            <a:ext cx="8759190" cy="954107"/>
           </a:xfrm>
           <a:prstGeom prst="rect">
             <a:avLst/>
@@ -18219,28 +18209,49 @@
           </a:bodyPr>
           <a:lstStyle/>
           <a:p>
-            <a:pPr marL="285750" indent="-285750">
-              <a:buFont typeface="Arial" panose="020B0604020202020204" pitchFamily="34" charset="0"/>
-              <a:buChar char="•"/>
-            </a:pPr>
-            <a:r>
-              <a:rPr lang="en-US" dirty="0">
-                <a:solidFill>
-                  <a:srgbClr val="444444"/>
-                </a:solidFill>
-              </a:rPr>
-              <a:t>Permissions are purely additive, there are no deny permissions</a:t>
-            </a:r>
-            <a:endParaRPr lang="en-US" sz="2500" dirty="0"/>
-          </a:p>
-        </p:txBody>
-      </p:sp>
-      <p:sp>
-        <p:nvSpPr>
-          <p:cNvPr id="14" name="Rectangle 13">
+            <a:r>
+              <a:rPr lang="en-US" sz="2000" dirty="0"/>
+              <a:t>Verbs</a:t>
+            </a:r>
+            <a:r>
+              <a:rPr lang="en-US" sz="2000" dirty="0">
+                <a:latin typeface="ArialMT"/>
+              </a:rPr>
+              <a:t>:</a:t>
+            </a:r>
+            <a:r>
+              <a:rPr lang="en-US" sz="2400" dirty="0">
+                <a:latin typeface="ArialMT"/>
+              </a:rPr>
+              <a:t> </a:t>
+            </a:r>
+            <a:r>
+              <a:rPr lang="en-US" sz="1600" dirty="0"/>
+              <a:t>The set of operations that can be executed to the resources above. Different verbs are</a:t>
+            </a:r>
+            <a:br>
+              <a:rPr lang="en-US" sz="1600" dirty="0"/>
+            </a:br>
+            <a:r>
+              <a:rPr lang="en-US" sz="1600" dirty="0"/>
+              <a:t>              available (examples: get, watch, create, delete, etc.), but ultimately all of them are </a:t>
+            </a:r>
+            <a:br>
+              <a:rPr lang="en-US" sz="1600" dirty="0"/>
+            </a:br>
+            <a:r>
+              <a:rPr lang="en-US" sz="1600" dirty="0"/>
+              <a:t>              Create, Read, Update or Delete (CRUD) operations.</a:t>
+            </a:r>
+          </a:p>
+        </p:txBody>
+      </p:sp>
+      <p:sp>
+        <p:nvSpPr>
+          <p:cNvPr id="2" name="Rectangle 1">
             <a:extLst>
               <a:ext uri="{FF2B5EF4-FFF2-40B4-BE49-F238E27FC236}">
-                <a16:creationId xmlns:a16="http://schemas.microsoft.com/office/drawing/2014/main" id="{A23AC918-02D7-4AF4-9BB1-03FD6EF770B5}"/>
+                <a16:creationId xmlns:a16="http://schemas.microsoft.com/office/drawing/2014/main" id="{CB7ACB83-86E7-4E60-8494-69C1CBC6D498}"/>
               </a:ext>
             </a:extLst>
           </p:cNvPr>
@@ -18249,8 +18260,8 @@
         </p:nvSpPr>
         <p:spPr>
           <a:xfrm>
-            <a:off x="1061466" y="3865501"/>
-            <a:ext cx="6601206" cy="369332"/>
+            <a:off x="704088" y="5207973"/>
+            <a:ext cx="10094976" cy="646331"/>
           </a:xfrm>
           <a:prstGeom prst="rect">
             <a:avLst/>
@@ -18262,194 +18273,41 @@
           </a:bodyPr>
           <a:lstStyle/>
           <a:p>
-            <a:pPr marL="285750" indent="-285750">
-              <a:buFont typeface="Arial" panose="020B0604020202020204" pitchFamily="34" charset="0"/>
-              <a:buChar char="•"/>
-            </a:pPr>
             <a:r>
               <a:rPr lang="en-US" dirty="0"/>
-              <a:t>Permissions can be scoped to:</a:t>
-            </a:r>
-            <a:endParaRPr lang="en-US" sz="2500" dirty="0"/>
-          </a:p>
-        </p:txBody>
-      </p:sp>
-      <p:sp>
-        <p:nvSpPr>
-          <p:cNvPr id="15" name="Rectangle 14">
-            <a:extLst>
-              <a:ext uri="{FF2B5EF4-FFF2-40B4-BE49-F238E27FC236}">
-                <a16:creationId xmlns:a16="http://schemas.microsoft.com/office/drawing/2014/main" id="{6BDFAAE2-4272-45BF-8794-0CB87C31EFCB}"/>
-              </a:ext>
-            </a:extLst>
-          </p:cNvPr>
-          <p:cNvSpPr/>
-          <p:nvPr/>
-        </p:nvSpPr>
-        <p:spPr>
-          <a:xfrm>
-            <a:off x="1277874" y="4990004"/>
-            <a:ext cx="6601206" cy="369332"/>
-          </a:xfrm>
-          <a:prstGeom prst="rect">
-            <a:avLst/>
-          </a:prstGeom>
-        </p:spPr>
-        <p:txBody>
-          <a:bodyPr wrap="square">
-            <a:spAutoFit/>
-          </a:bodyPr>
-          <a:lstStyle/>
-          <a:p>
-            <a:pPr marL="285750" indent="-285750">
-              <a:buFont typeface="Arial" panose="020B0604020202020204" pitchFamily="34" charset="0"/>
-              <a:buChar char="•"/>
-            </a:pPr>
-            <a:r>
-              <a:rPr lang="en-US" dirty="0">
-                <a:solidFill>
-                  <a:srgbClr val="444444"/>
-                </a:solidFill>
-              </a:rPr>
-              <a:t>Namespace</a:t>
-            </a:r>
-            <a:endParaRPr lang="en-US" sz="2500" dirty="0"/>
-          </a:p>
-        </p:txBody>
-      </p:sp>
-      <p:sp>
-        <p:nvSpPr>
-          <p:cNvPr id="16" name="Rectangle 15">
-            <a:extLst>
-              <a:ext uri="{FF2B5EF4-FFF2-40B4-BE49-F238E27FC236}">
-                <a16:creationId xmlns:a16="http://schemas.microsoft.com/office/drawing/2014/main" id="{AE77C27A-70B2-4194-A1B3-F1CCE38D73CF}"/>
-              </a:ext>
-            </a:extLst>
-          </p:cNvPr>
-          <p:cNvSpPr/>
-          <p:nvPr/>
-        </p:nvSpPr>
-        <p:spPr>
-          <a:xfrm>
-            <a:off x="1061466" y="3171740"/>
-            <a:ext cx="7680198" cy="646331"/>
-          </a:xfrm>
-          <a:prstGeom prst="rect">
-            <a:avLst/>
-          </a:prstGeom>
-        </p:spPr>
-        <p:txBody>
-          <a:bodyPr wrap="square">
-            <a:spAutoFit/>
-          </a:bodyPr>
-          <a:lstStyle/>
-          <a:p>
-            <a:pPr marL="285750" indent="-285750">
-              <a:buFont typeface="Arial" panose="020B0604020202020204" pitchFamily="34" charset="0"/>
-              <a:buChar char="•"/>
-            </a:pPr>
-            <a:r>
-              <a:rPr lang="en-US" dirty="0">
-                <a:solidFill>
-                  <a:srgbClr val="444444"/>
-                </a:solidFill>
-              </a:rPr>
-              <a:t>Uses concepts of Role and Role Bindings to create assign and enforce permissions</a:t>
-            </a:r>
-            <a:endParaRPr lang="en-US" sz="2500" dirty="0"/>
-          </a:p>
-        </p:txBody>
-      </p:sp>
-      <p:sp>
-        <p:nvSpPr>
-          <p:cNvPr id="17" name="Rectangle 16">
-            <a:extLst>
-              <a:ext uri="{FF2B5EF4-FFF2-40B4-BE49-F238E27FC236}">
-                <a16:creationId xmlns:a16="http://schemas.microsoft.com/office/drawing/2014/main" id="{A8514B01-00AA-41DC-A23C-B10E0DE0E639}"/>
-              </a:ext>
-            </a:extLst>
-          </p:cNvPr>
-          <p:cNvSpPr/>
-          <p:nvPr/>
-        </p:nvSpPr>
-        <p:spPr>
-          <a:xfrm>
-            <a:off x="1277874" y="4271385"/>
-            <a:ext cx="6601206" cy="369332"/>
-          </a:xfrm>
-          <a:prstGeom prst="rect">
-            <a:avLst/>
-          </a:prstGeom>
-        </p:spPr>
-        <p:txBody>
-          <a:bodyPr wrap="square">
-            <a:spAutoFit/>
-          </a:bodyPr>
-          <a:lstStyle/>
-          <a:p>
-            <a:pPr marL="285750" indent="-285750">
-              <a:buFont typeface="Arial" panose="020B0604020202020204" pitchFamily="34" charset="0"/>
-              <a:buChar char="•"/>
-            </a:pPr>
-            <a:r>
-              <a:rPr lang="en-US" dirty="0">
-                <a:solidFill>
-                  <a:srgbClr val="444444"/>
-                </a:solidFill>
-              </a:rPr>
-              <a:t>Nodes</a:t>
-            </a:r>
-            <a:endParaRPr lang="en-US" sz="2500" dirty="0"/>
-          </a:p>
-        </p:txBody>
-      </p:sp>
-      <p:sp>
-        <p:nvSpPr>
-          <p:cNvPr id="18" name="Rectangle 17">
-            <a:extLst>
-              <a:ext uri="{FF2B5EF4-FFF2-40B4-BE49-F238E27FC236}">
-                <a16:creationId xmlns:a16="http://schemas.microsoft.com/office/drawing/2014/main" id="{F5477DD0-4AAA-4EEF-A612-D778623370FF}"/>
-              </a:ext>
-            </a:extLst>
-          </p:cNvPr>
-          <p:cNvSpPr/>
-          <p:nvPr/>
-        </p:nvSpPr>
-        <p:spPr>
-          <a:xfrm>
-            <a:off x="1277874" y="4620672"/>
-            <a:ext cx="6601206" cy="369332"/>
-          </a:xfrm>
-          <a:prstGeom prst="rect">
-            <a:avLst/>
-          </a:prstGeom>
-        </p:spPr>
-        <p:txBody>
-          <a:bodyPr wrap="square">
-            <a:spAutoFit/>
-          </a:bodyPr>
-          <a:lstStyle/>
-          <a:p>
-            <a:pPr marL="285750" indent="-285750">
-              <a:buFont typeface="Arial" panose="020B0604020202020204" pitchFamily="34" charset="0"/>
-              <a:buChar char="•"/>
-            </a:pPr>
-            <a:r>
-              <a:rPr lang="en-US" dirty="0">
-                <a:solidFill>
-                  <a:srgbClr val="444444"/>
-                </a:solidFill>
-              </a:rPr>
-              <a:t>Control Plane</a:t>
-            </a:r>
-            <a:endParaRPr lang="en-US" sz="2500" dirty="0"/>
+              <a:t>We want to connect subjects, API resources, and operations. In other words, we want to specify, given a </a:t>
+            </a:r>
+            <a:r>
+              <a:rPr lang="en-US" b="1" dirty="0"/>
+              <a:t>user</a:t>
+            </a:r>
+            <a:r>
+              <a:rPr lang="en-US" dirty="0"/>
+              <a:t>, which </a:t>
+            </a:r>
+            <a:r>
+              <a:rPr lang="en-US" b="1" dirty="0"/>
+              <a:t>operations</a:t>
+            </a:r>
+            <a:r>
+              <a:rPr lang="en-US" dirty="0"/>
+              <a:t> can be executed over a set of </a:t>
+            </a:r>
+            <a:r>
+              <a:rPr lang="en-US" b="1" dirty="0"/>
+              <a:t>resources</a:t>
+            </a:r>
+            <a:r>
+              <a:rPr lang="en-US" dirty="0"/>
+              <a:t>.</a:t>
+            </a:r>
           </a:p>
         </p:txBody>
       </p:sp>
     </p:spTree>
     <p:extLst>
       <p:ext uri="{BB962C8B-B14F-4D97-AF65-F5344CB8AC3E}">
-        <p14:creationId xmlns:p14="http://schemas.microsoft.com/office/powerpoint/2010/main" val="429762810"/>
+        <p14:creationId xmlns:p14="http://schemas.microsoft.com/office/powerpoint/2010/main" val="977259966"/>
       </p:ext>
     </p:extLst>
   </p:cSld>
@@ -18490,8 +18348,8 @@
         </p:nvSpPr>
         <p:spPr>
           <a:xfrm>
-            <a:off x="634746" y="904964"/>
-            <a:ext cx="9350502" cy="830997"/>
+            <a:off x="835914" y="1095264"/>
+            <a:ext cx="7485126" cy="461665"/>
           </a:xfrm>
           <a:prstGeom prst="rect">
             <a:avLst/>
@@ -18505,13 +18363,7 @@
           <a:p>
             <a:r>
               <a:rPr lang="en-US" sz="2400" dirty="0"/>
-              <a:t>A request has the following attributes that can be considered for</a:t>
-            </a:r>
-          </a:p>
-          <a:p>
-            <a:r>
-              <a:rPr lang="en-US" sz="2400" dirty="0"/>
-              <a:t>authorization: </a:t>
+              <a:t>RBAC - </a:t>
             </a:r>
           </a:p>
         </p:txBody>
@@ -18530,8 +18382,8 @@
         </p:nvSpPr>
         <p:spPr>
           <a:xfrm>
-            <a:off x="1015746" y="1881301"/>
-            <a:ext cx="6601206" cy="369332"/>
+            <a:off x="1061466" y="1707565"/>
+            <a:ext cx="6601206" cy="646331"/>
           </a:xfrm>
           <a:prstGeom prst="rect">
             <a:avLst/>
@@ -18553,7 +18405,7 @@
                   <a:srgbClr val="444444"/>
                 </a:solidFill>
               </a:rPr>
-              <a:t>user (the user-string which a user was authenticated as)</a:t>
+              <a:t>Is a set of rules to map allowed operations on set of resources in a namespace (ns1) or cluster</a:t>
             </a:r>
             <a:endParaRPr lang="en-US" sz="2500" dirty="0"/>
           </a:p>
@@ -18589,7 +18441,7 @@
               <a:rPr lang="en-US" sz="4000" dirty="0">
                 <a:latin typeface="ArialMT"/>
               </a:rPr>
-              <a:t>RBAC - Attributes</a:t>
+              <a:t>Role Based Access Control (RBAC)</a:t>
             </a:r>
           </a:p>
         </p:txBody>
@@ -18608,8 +18460,8 @@
         </p:nvSpPr>
         <p:spPr>
           <a:xfrm>
-            <a:off x="1015746" y="2298063"/>
-            <a:ext cx="7771638" cy="369332"/>
+            <a:off x="1061466" y="2330225"/>
+            <a:ext cx="6601206" cy="369332"/>
           </a:xfrm>
           <a:prstGeom prst="rect">
             <a:avLst/>
@@ -18627,7 +18479,7 @@
             </a:pPr>
             <a:r>
               <a:rPr lang="en-US" dirty="0"/>
-              <a:t>group (the list of group names the authenticated user is a member of)</a:t>
+              <a:t>Configurable via API</a:t>
             </a:r>
             <a:endParaRPr lang="en-US" sz="2500" dirty="0"/>
           </a:p>
@@ -18647,8 +18499,8 @@
         </p:nvSpPr>
         <p:spPr>
           <a:xfrm>
-            <a:off x="1015746" y="2714825"/>
-            <a:ext cx="7680198" cy="646331"/>
+            <a:off x="1061466" y="2739735"/>
+            <a:ext cx="7680198" cy="369332"/>
           </a:xfrm>
           <a:prstGeom prst="rect">
             <a:avLst/>
@@ -18670,23 +18522,7 @@
                   <a:srgbClr val="444444"/>
                 </a:solidFill>
               </a:rPr>
-              <a:t>“extra” (a map of arbitrary string keys to string </a:t>
-            </a:r>
-            <a:r>
-              <a:rPr lang="en-US" dirty="0" err="1">
-                <a:solidFill>
-                  <a:srgbClr val="444444"/>
-                </a:solidFill>
-              </a:rPr>
-              <a:t>values,provided</a:t>
-            </a:r>
-            <a:r>
-              <a:rPr lang="en-US" dirty="0">
-                <a:solidFill>
-                  <a:srgbClr val="444444"/>
-                </a:solidFill>
-              </a:rPr>
-              <a:t> by the authentication layer)</a:t>
+              <a:t>Permissions are purely additive, there are no deny permissions</a:t>
             </a:r>
             <a:endParaRPr lang="en-US" sz="2500" dirty="0"/>
           </a:p>
@@ -18706,7 +18542,7 @@
         </p:nvSpPr>
         <p:spPr>
           <a:xfrm>
-            <a:off x="1015746" y="3807141"/>
+            <a:off x="1061466" y="3865501"/>
             <a:ext cx="6601206" cy="369332"/>
           </a:xfrm>
           <a:prstGeom prst="rect">
@@ -18725,7 +18561,50 @@
             </a:pPr>
             <a:r>
               <a:rPr lang="en-US" dirty="0"/>
-              <a:t>the request path</a:t>
+              <a:t>Permissions can be scoped to:</a:t>
+            </a:r>
+            <a:endParaRPr lang="en-US" sz="2500" dirty="0"/>
+          </a:p>
+        </p:txBody>
+      </p:sp>
+      <p:sp>
+        <p:nvSpPr>
+          <p:cNvPr id="15" name="Rectangle 14">
+            <a:extLst>
+              <a:ext uri="{FF2B5EF4-FFF2-40B4-BE49-F238E27FC236}">
+                <a16:creationId xmlns:a16="http://schemas.microsoft.com/office/drawing/2014/main" id="{6BDFAAE2-4272-45BF-8794-0CB87C31EFCB}"/>
+              </a:ext>
+            </a:extLst>
+          </p:cNvPr>
+          <p:cNvSpPr/>
+          <p:nvPr/>
+        </p:nvSpPr>
+        <p:spPr>
+          <a:xfrm>
+            <a:off x="1277874" y="4990004"/>
+            <a:ext cx="6601206" cy="369332"/>
+          </a:xfrm>
+          <a:prstGeom prst="rect">
+            <a:avLst/>
+          </a:prstGeom>
+        </p:spPr>
+        <p:txBody>
+          <a:bodyPr wrap="square">
+            <a:spAutoFit/>
+          </a:bodyPr>
+          <a:lstStyle/>
+          <a:p>
+            <a:pPr marL="285750" indent="-285750">
+              <a:buFont typeface="Arial" panose="020B0604020202020204" pitchFamily="34" charset="0"/>
+              <a:buChar char="•"/>
+            </a:pPr>
+            <a:r>
+              <a:rPr lang="en-US" dirty="0">
+                <a:solidFill>
+                  <a:srgbClr val="444444"/>
+                </a:solidFill>
+              </a:rPr>
+              <a:t>Namespace</a:t>
             </a:r>
             <a:endParaRPr lang="en-US" sz="2500" dirty="0"/>
           </a:p>
@@ -18745,8 +18624,8 @@
         </p:nvSpPr>
         <p:spPr>
           <a:xfrm>
-            <a:off x="1015746" y="3345476"/>
-            <a:ext cx="7680198" cy="369332"/>
+            <a:off x="1061466" y="3171740"/>
+            <a:ext cx="7680198" cy="646331"/>
           </a:xfrm>
           <a:prstGeom prst="rect">
             <a:avLst/>
@@ -18768,7 +18647,7 @@
                   <a:srgbClr val="444444"/>
                 </a:solidFill>
               </a:rPr>
-              <a:t>whether the request is for an API resource</a:t>
+              <a:t>Uses concepts of Role and Role Bindings to create assign and enforce permissions</a:t>
             </a:r>
             <a:endParaRPr lang="en-US" sz="2500" dirty="0"/>
           </a:p>
@@ -18788,8 +18667,8 @@
         </p:nvSpPr>
         <p:spPr>
           <a:xfrm>
-            <a:off x="1155954" y="4268806"/>
-            <a:ext cx="6320790" cy="646331"/>
+            <a:off x="1277874" y="4271385"/>
+            <a:ext cx="6601206" cy="369332"/>
           </a:xfrm>
           <a:prstGeom prst="rect">
             <a:avLst/>
@@ -18811,41 +18690,50 @@
                   <a:srgbClr val="444444"/>
                 </a:solidFill>
               </a:rPr>
-              <a:t>allows authorizing access to miscellaneous non-resource</a:t>
-            </a:r>
-          </a:p>
-          <a:p>
+              <a:t>Nodes</a:t>
+            </a:r>
+            <a:endParaRPr lang="en-US" sz="2500" dirty="0"/>
+          </a:p>
+        </p:txBody>
+      </p:sp>
+      <p:sp>
+        <p:nvSpPr>
+          <p:cNvPr id="18" name="Rectangle 17">
+            <a:extLst>
+              <a:ext uri="{FF2B5EF4-FFF2-40B4-BE49-F238E27FC236}">
+                <a16:creationId xmlns:a16="http://schemas.microsoft.com/office/drawing/2014/main" id="{F5477DD0-4AAA-4EEF-A612-D778623370FF}"/>
+              </a:ext>
+            </a:extLst>
+          </p:cNvPr>
+          <p:cNvSpPr/>
+          <p:nvPr/>
+        </p:nvSpPr>
+        <p:spPr>
+          <a:xfrm>
+            <a:off x="1277874" y="4620672"/>
+            <a:ext cx="6601206" cy="369332"/>
+          </a:xfrm>
+          <a:prstGeom prst="rect">
+            <a:avLst/>
+          </a:prstGeom>
+        </p:spPr>
+        <p:txBody>
+          <a:bodyPr wrap="square">
+            <a:spAutoFit/>
+          </a:bodyPr>
+          <a:lstStyle/>
+          <a:p>
+            <a:pPr marL="285750" indent="-285750">
+              <a:buFont typeface="Arial" panose="020B0604020202020204" pitchFamily="34" charset="0"/>
+              <a:buChar char="•"/>
+            </a:pPr>
             <a:r>
               <a:rPr lang="en-US" dirty="0">
                 <a:solidFill>
                   <a:srgbClr val="444444"/>
                 </a:solidFill>
               </a:rPr>
-              <a:t>    endpoints like /</a:t>
-            </a:r>
-            <a:r>
-              <a:rPr lang="en-US" dirty="0" err="1">
-                <a:solidFill>
-                  <a:srgbClr val="444444"/>
-                </a:solidFill>
-              </a:rPr>
-              <a:t>api</a:t>
-            </a:r>
-            <a:r>
-              <a:rPr lang="en-US" dirty="0">
-                <a:solidFill>
-                  <a:srgbClr val="444444"/>
-                </a:solidFill>
-              </a:rPr>
-              <a:t> or /</a:t>
-            </a:r>
-            <a:r>
-              <a:rPr lang="en-US" dirty="0" err="1">
-                <a:solidFill>
-                  <a:srgbClr val="444444"/>
-                </a:solidFill>
-              </a:rPr>
-              <a:t>healthz</a:t>
+              <a:t>Control Plane</a:t>
             </a:r>
             <a:endParaRPr lang="en-US" sz="2500" dirty="0"/>
           </a:p>
@@ -18854,7 +18742,7 @@
     </p:spTree>
     <p:extLst>
       <p:ext uri="{BB962C8B-B14F-4D97-AF65-F5344CB8AC3E}">
-        <p14:creationId xmlns:p14="http://schemas.microsoft.com/office/powerpoint/2010/main" val="285524766"/>
+        <p14:creationId xmlns:p14="http://schemas.microsoft.com/office/powerpoint/2010/main" val="429762810"/>
       </p:ext>
     </p:extLst>
   </p:cSld>
@@ -18911,7 +18799,7 @@
               <a:rPr lang="en-US" sz="4000" dirty="0">
                 <a:latin typeface="ArialMT"/>
               </a:rPr>
-              <a:t>RBAC - Attributes</a:t>
+              <a:t>RBAC – API Objects</a:t>
             </a:r>
           </a:p>
         </p:txBody>
@@ -18930,8 +18818,8 @@
         </p:nvSpPr>
         <p:spPr>
           <a:xfrm>
-            <a:off x="635508" y="1121522"/>
-            <a:ext cx="6601206" cy="369332"/>
+            <a:off x="374649" y="1346135"/>
+            <a:ext cx="8092695" cy="369332"/>
           </a:xfrm>
           <a:prstGeom prst="rect">
             <a:avLst/>
@@ -18943,15 +18831,15 @@
           </a:bodyPr>
           <a:lstStyle/>
           <a:p>
-            <a:pPr marL="285750" indent="-285750">
-              <a:buFont typeface="Arial" panose="020B0604020202020204" pitchFamily="34" charset="0"/>
-              <a:buChar char="•"/>
-            </a:pPr>
             <a:r>
               <a:rPr lang="en-US" dirty="0"/>
-              <a:t>the request verb</a:t>
-            </a:r>
-            <a:endParaRPr lang="en-US" sz="2500" dirty="0"/>
+              <a:t> Declares 4 top level types that can be interacted with via the API or </a:t>
+            </a:r>
+            <a:r>
+              <a:rPr lang="en-US" dirty="0" err="1"/>
+              <a:t>kubectl</a:t>
+            </a:r>
+            <a:endParaRPr lang="en-US" dirty="0"/>
           </a:p>
         </p:txBody>
       </p:sp>
@@ -18969,8 +18857,8 @@
         </p:nvSpPr>
         <p:spPr>
           <a:xfrm>
-            <a:off x="1015746" y="1513091"/>
-            <a:ext cx="6601206" cy="923330"/>
+            <a:off x="1120393" y="1948212"/>
+            <a:ext cx="6601206" cy="369332"/>
           </a:xfrm>
           <a:prstGeom prst="rect">
             <a:avLst/>
@@ -18988,30 +18876,7 @@
             </a:pPr>
             <a:r>
               <a:rPr lang="en-US" dirty="0"/>
-              <a:t>API</a:t>
-            </a:r>
-            <a:r>
-              <a:rPr lang="en-US" b="1" dirty="0"/>
-              <a:t> </a:t>
-            </a:r>
-            <a:r>
-              <a:rPr lang="en-US" dirty="0"/>
-              <a:t>verbs :</a:t>
-            </a:r>
-            <a:br>
-              <a:rPr lang="en-US" dirty="0"/>
-            </a:br>
-            <a:r>
-              <a:rPr lang="en-US" dirty="0"/>
-              <a:t>get, list, create, update, patch, watch, proxy, redirect, delete, and </a:t>
-            </a:r>
-            <a:r>
-              <a:rPr lang="en-US" dirty="0" err="1"/>
-              <a:t>deletecollection</a:t>
-            </a:r>
-            <a:r>
-              <a:rPr lang="en-US" dirty="0"/>
-              <a:t> are used for resource requests</a:t>
+              <a:t>Role</a:t>
             </a:r>
             <a:endParaRPr lang="en-US" sz="2500" dirty="0"/>
           </a:p>
@@ -19031,8 +18896,8 @@
         </p:nvSpPr>
         <p:spPr>
           <a:xfrm>
-            <a:off x="540258" y="2505670"/>
-            <a:ext cx="6601206" cy="923330"/>
+            <a:off x="654811" y="2411240"/>
+            <a:ext cx="6601206" cy="369332"/>
           </a:xfrm>
           <a:prstGeom prst="rect">
             <a:avLst/>
@@ -19050,22 +18915,7 @@
             </a:pPr>
             <a:r>
               <a:rPr lang="en-US" dirty="0"/>
-              <a:t>HTTP verbs:</a:t>
-            </a:r>
-            <a:br>
-              <a:rPr lang="en-US" dirty="0"/>
-            </a:br>
-            <a:r>
-              <a:rPr lang="en-US" dirty="0"/>
-              <a:t>get, post, put, and delete are used for </a:t>
-            </a:r>
-            <a:r>
-              <a:rPr lang="en-US" dirty="0" err="1"/>
-              <a:t>nonresource</a:t>
-            </a:r>
-            <a:r>
-              <a:rPr lang="en-US" dirty="0"/>
-              <a:t> requests</a:t>
+              <a:t>Cluster Role</a:t>
             </a:r>
             <a:endParaRPr lang="en-US" sz="2500" dirty="0"/>
           </a:p>
@@ -19085,8 +18935,8 @@
         </p:nvSpPr>
         <p:spPr>
           <a:xfrm>
-            <a:off x="635508" y="3498249"/>
-            <a:ext cx="6601206" cy="646331"/>
+            <a:off x="1120393" y="2874268"/>
+            <a:ext cx="6601206" cy="369332"/>
           </a:xfrm>
           <a:prstGeom prst="rect">
             <a:avLst/>
@@ -19103,8 +18953,8 @@
               <a:buChar char="•"/>
             </a:pPr>
             <a:r>
-              <a:rPr lang="en-US" dirty="0"/>
-              <a:t>What resource and sub resource is being accessed(for resource requests only)</a:t>
+              <a:rPr lang="en-US" dirty="0" err="1"/>
+              <a:t>RoleBinding</a:t>
             </a:r>
             <a:endParaRPr lang="en-US" sz="2500" dirty="0"/>
           </a:p>
@@ -19124,8 +18974,8 @@
         </p:nvSpPr>
         <p:spPr>
           <a:xfrm>
-            <a:off x="635508" y="4167662"/>
-            <a:ext cx="6601206" cy="646331"/>
+            <a:off x="1120393" y="3345063"/>
+            <a:ext cx="6601206" cy="369332"/>
           </a:xfrm>
           <a:prstGeom prst="rect">
             <a:avLst/>
@@ -19142,8 +18992,8 @@
               <a:buChar char="•"/>
             </a:pPr>
             <a:r>
-              <a:rPr lang="en-US" dirty="0"/>
-              <a:t>The namespace of the object being accessed (for name spaced resource requests only)</a:t>
+              <a:rPr lang="en-US" dirty="0" err="1"/>
+              <a:t>ClusterRoleBinding</a:t>
             </a:r>
             <a:endParaRPr lang="en-US" sz="2500" dirty="0"/>
           </a:p>
@@ -19151,10 +19001,10 @@
       </p:sp>
       <p:sp>
         <p:nvSpPr>
-          <p:cNvPr id="21" name="Rectangle 20">
+          <p:cNvPr id="9" name="Rectangle 8">
             <a:extLst>
               <a:ext uri="{FF2B5EF4-FFF2-40B4-BE49-F238E27FC236}">
-                <a16:creationId xmlns:a16="http://schemas.microsoft.com/office/drawing/2014/main" id="{BBBEFCEB-0F45-4469-A468-1A002AB2E16C}"/>
+                <a16:creationId xmlns:a16="http://schemas.microsoft.com/office/drawing/2014/main" id="{E56866EE-EBE6-4718-AC72-86ED37948CCE}"/>
               </a:ext>
             </a:extLst>
           </p:cNvPr>
@@ -19163,8 +19013,8 @@
         </p:nvSpPr>
         <p:spPr>
           <a:xfrm>
-            <a:off x="635508" y="4883242"/>
-            <a:ext cx="6601206" cy="646331"/>
+            <a:off x="814578" y="4148378"/>
+            <a:ext cx="8676894" cy="892552"/>
           </a:xfrm>
           <a:prstGeom prst="rect">
             <a:avLst/>
@@ -19176,22 +19026,143 @@
           </a:bodyPr>
           <a:lstStyle/>
           <a:p>
-            <a:pPr marL="285750" indent="-285750">
-              <a:buFont typeface="Arial" panose="020B0604020202020204" pitchFamily="34" charset="0"/>
-              <a:buChar char="•"/>
-            </a:pPr>
-            <a:r>
-              <a:rPr lang="en-US" dirty="0"/>
-              <a:t>The API group being accessed (for resource requests only); an empty string designates the core API Group</a:t>
-            </a:r>
-            <a:endParaRPr lang="en-US" sz="2500" dirty="0"/>
+            <a:r>
+              <a:rPr lang="en-US" sz="2000" dirty="0"/>
+              <a:t>Roles </a:t>
+            </a:r>
+            <a:r>
+              <a:rPr lang="en-US" sz="2000" dirty="0">
+                <a:latin typeface="ArialMT"/>
+              </a:rPr>
+              <a:t>:</a:t>
+            </a:r>
+            <a:r>
+              <a:rPr lang="en-US" sz="1600" dirty="0"/>
+              <a:t> Will connect API Resources and Verbs. These can be reused for different subjects.</a:t>
+            </a:r>
+            <a:br>
+              <a:rPr lang="en-US" sz="1600" dirty="0"/>
+            </a:br>
+            <a:r>
+              <a:rPr lang="en-US" sz="1600" dirty="0"/>
+              <a:t>               These are </a:t>
+            </a:r>
+            <a:r>
+              <a:rPr lang="en-US" sz="1600" dirty="0" err="1"/>
+              <a:t>binded</a:t>
+            </a:r>
+            <a:r>
+              <a:rPr lang="en-US" sz="1600" dirty="0"/>
+              <a:t> to one </a:t>
+            </a:r>
+            <a:r>
+              <a:rPr lang="en-US" sz="1600" dirty="0" err="1"/>
+              <a:t>namespace.If</a:t>
+            </a:r>
+            <a:r>
+              <a:rPr lang="en-US" sz="1600" dirty="0"/>
+              <a:t> we want the role to be applied cluster-wide, </a:t>
+            </a:r>
+            <a:br>
+              <a:rPr lang="en-US" sz="1600" dirty="0"/>
+            </a:br>
+            <a:r>
+              <a:rPr lang="en-US" sz="1600" dirty="0"/>
+              <a:t>               the equivalent object is called </a:t>
+            </a:r>
+            <a:r>
+              <a:rPr lang="en-US" sz="1600" dirty="0" err="1"/>
+              <a:t>ClusterRoles</a:t>
+            </a:r>
+            <a:r>
+              <a:rPr lang="en-US" sz="1600" dirty="0"/>
+              <a:t>.</a:t>
+            </a:r>
+          </a:p>
+        </p:txBody>
+      </p:sp>
+      <p:sp>
+        <p:nvSpPr>
+          <p:cNvPr id="11" name="Rectangle 10">
+            <a:extLst>
+              <a:ext uri="{FF2B5EF4-FFF2-40B4-BE49-F238E27FC236}">
+                <a16:creationId xmlns:a16="http://schemas.microsoft.com/office/drawing/2014/main" id="{93BEBA02-8251-4E71-A9D9-625B83F07A44}"/>
+              </a:ext>
+            </a:extLst>
+          </p:cNvPr>
+          <p:cNvSpPr/>
+          <p:nvPr/>
+        </p:nvSpPr>
+        <p:spPr>
+          <a:xfrm>
+            <a:off x="814578" y="5213483"/>
+            <a:ext cx="8676894" cy="892552"/>
+          </a:xfrm>
+          <a:prstGeom prst="rect">
+            <a:avLst/>
+          </a:prstGeom>
+        </p:spPr>
+        <p:txBody>
+          <a:bodyPr wrap="square">
+            <a:spAutoFit/>
+          </a:bodyPr>
+          <a:lstStyle/>
+          <a:p>
+            <a:r>
+              <a:rPr lang="en-US" sz="2000" dirty="0" err="1"/>
+              <a:t>RoleBinding</a:t>
+            </a:r>
+            <a:r>
+              <a:rPr lang="en-US" sz="2000" dirty="0"/>
+              <a:t> </a:t>
+            </a:r>
+            <a:r>
+              <a:rPr lang="en-US" sz="2000" dirty="0">
+                <a:latin typeface="ArialMT"/>
+              </a:rPr>
+              <a:t>:</a:t>
+            </a:r>
+            <a:r>
+              <a:rPr lang="en-US" sz="1600" dirty="0"/>
+              <a:t> Will connect the remaining entity-subjects. Given a role, which already binds</a:t>
+            </a:r>
+            <a:br>
+              <a:rPr lang="en-US" sz="1600" dirty="0"/>
+            </a:br>
+            <a:r>
+              <a:rPr lang="en-US" sz="1600" dirty="0"/>
+              <a:t>                            API Objects and verbs, we will establish which subjects can use it. For the </a:t>
+            </a:r>
+            <a:br>
+              <a:rPr lang="en-US" sz="1600" dirty="0"/>
+            </a:br>
+            <a:r>
+              <a:rPr lang="en-US" sz="1600" dirty="0"/>
+              <a:t>                            cluster-level, non-</a:t>
+            </a:r>
+            <a:r>
+              <a:rPr lang="en-US" sz="1600" dirty="0" err="1"/>
+              <a:t>namespaced</a:t>
+            </a:r>
+            <a:r>
+              <a:rPr lang="en-US" sz="1600" dirty="0"/>
+              <a:t> equivalent, there are </a:t>
+            </a:r>
+            <a:r>
+              <a:rPr lang="en-US" sz="1600" dirty="0" err="1"/>
+              <a:t>ClusterRoleBindings</a:t>
+            </a:r>
+            <a:r>
+              <a:rPr lang="en-US" sz="1600" dirty="0"/>
+              <a:t>.</a:t>
+            </a:r>
           </a:p>
         </p:txBody>
       </p:sp>
     </p:spTree>
     <p:extLst>
       <p:ext uri="{BB962C8B-B14F-4D97-AF65-F5344CB8AC3E}">
-        <p14:creationId xmlns:p14="http://schemas.microsoft.com/office/powerpoint/2010/main" val="2373018219"/>
+        <p14:creationId xmlns:p14="http://schemas.microsoft.com/office/powerpoint/2010/main" val="2194723015"/>
       </p:ext>
     </p:extLst>
   </p:cSld>
@@ -19218,12 +19189,47 @@
           <a:chExt cx="0" cy="0"/>
         </a:xfrm>
       </p:grpSpPr>
-      <p:sp>
-        <p:nvSpPr>
-          <p:cNvPr id="6" name="Title 3">
+      <p:pic>
+        <p:nvPicPr>
+          <p:cNvPr id="6" name="Content Placeholder 5">
             <a:extLst>
               <a:ext uri="{FF2B5EF4-FFF2-40B4-BE49-F238E27FC236}">
-                <a16:creationId xmlns:a16="http://schemas.microsoft.com/office/drawing/2014/main" id="{AF12B75E-551D-4C49-8152-6A02E5001B9D}"/>
+                <a16:creationId xmlns:a16="http://schemas.microsoft.com/office/drawing/2014/main" id="{30E74316-B366-4805-9F7D-C72BEE60E493}"/>
+              </a:ext>
+            </a:extLst>
+          </p:cNvPr>
+          <p:cNvPicPr>
+            <a:picLocks noGrp="1" noChangeAspect="1"/>
+          </p:cNvPicPr>
+          <p:nvPr>
+            <p:ph sz="quarter" idx="10"/>
+          </p:nvPr>
+        </p:nvPicPr>
+        <p:blipFill>
+          <a:blip r:embed="rId2">
+            <a:extLst>
+              <a:ext uri="{28A0092B-C50C-407E-A947-70E740481C1C}">
+                <a14:useLocalDpi xmlns:a14="http://schemas.microsoft.com/office/drawing/2010/main" val="0"/>
+              </a:ext>
+            </a:extLst>
+          </a:blip>
+          <a:stretch>
+            <a:fillRect/>
+          </a:stretch>
+        </p:blipFill>
+        <p:spPr>
+          <a:xfrm>
+            <a:off x="1609344" y="1705050"/>
+            <a:ext cx="7839456" cy="3980238"/>
+          </a:xfrm>
+        </p:spPr>
+      </p:pic>
+      <p:sp>
+        <p:nvSpPr>
+          <p:cNvPr id="7" name="Title 3">
+            <a:extLst>
+              <a:ext uri="{FF2B5EF4-FFF2-40B4-BE49-F238E27FC236}">
+                <a16:creationId xmlns:a16="http://schemas.microsoft.com/office/drawing/2014/main" id="{94EEC5AB-36A2-447E-A65D-5DAC251CD7B3}"/>
               </a:ext>
             </a:extLst>
           </p:cNvPr>
@@ -19248,210 +19254,27 @@
               <a:rPr lang="en-US" sz="4000" dirty="0">
                 <a:latin typeface="ArialMT"/>
               </a:rPr>
-              <a:t>RBAC – API Overview</a:t>
-            </a:r>
-          </a:p>
-        </p:txBody>
-      </p:sp>
-      <p:sp>
-        <p:nvSpPr>
-          <p:cNvPr id="10" name="Rectangle 9">
-            <a:extLst>
-              <a:ext uri="{FF2B5EF4-FFF2-40B4-BE49-F238E27FC236}">
-                <a16:creationId xmlns:a16="http://schemas.microsoft.com/office/drawing/2014/main" id="{6F7F5AAE-E309-4387-B25E-1C80697A9AC4}"/>
-              </a:ext>
-            </a:extLst>
-          </p:cNvPr>
-          <p:cNvSpPr/>
-          <p:nvPr/>
-        </p:nvSpPr>
-        <p:spPr>
-          <a:xfrm>
-            <a:off x="374648" y="1611311"/>
-            <a:ext cx="8092695" cy="369332"/>
-          </a:xfrm>
-          <a:prstGeom prst="rect">
-            <a:avLst/>
-          </a:prstGeom>
-        </p:spPr>
-        <p:txBody>
-          <a:bodyPr wrap="square">
-            <a:spAutoFit/>
-          </a:bodyPr>
-          <a:lstStyle/>
-          <a:p>
-            <a:r>
-              <a:rPr lang="en-US" dirty="0"/>
-              <a:t> Declares 4 top level types that can be interacted with via the API or </a:t>
-            </a:r>
-            <a:r>
-              <a:rPr lang="en-US" dirty="0" err="1"/>
-              <a:t>kubectl</a:t>
-            </a:r>
-            <a:endParaRPr lang="en-US" dirty="0"/>
-          </a:p>
-        </p:txBody>
-      </p:sp>
-      <p:sp>
-        <p:nvSpPr>
-          <p:cNvPr id="15" name="Rectangle 14">
-            <a:extLst>
-              <a:ext uri="{FF2B5EF4-FFF2-40B4-BE49-F238E27FC236}">
-                <a16:creationId xmlns:a16="http://schemas.microsoft.com/office/drawing/2014/main" id="{CA2B20E3-5ED9-4FCE-ABF9-9833B1B64867}"/>
-              </a:ext>
-            </a:extLst>
-          </p:cNvPr>
-          <p:cNvSpPr/>
-          <p:nvPr/>
-        </p:nvSpPr>
-        <p:spPr>
-          <a:xfrm>
-            <a:off x="1119378" y="2405412"/>
-            <a:ext cx="6601206" cy="369332"/>
-          </a:xfrm>
-          <a:prstGeom prst="rect">
-            <a:avLst/>
-          </a:prstGeom>
-        </p:spPr>
-        <p:txBody>
-          <a:bodyPr wrap="square">
-            <a:spAutoFit/>
-          </a:bodyPr>
-          <a:lstStyle/>
-          <a:p>
-            <a:pPr marL="285750" indent="-285750">
-              <a:buFont typeface="Arial" panose="020B0604020202020204" pitchFamily="34" charset="0"/>
-              <a:buChar char="•"/>
-            </a:pPr>
-            <a:r>
-              <a:rPr lang="en-US" dirty="0"/>
-              <a:t>Role</a:t>
-            </a:r>
-            <a:endParaRPr lang="en-US" sz="2500" dirty="0"/>
-          </a:p>
-        </p:txBody>
-      </p:sp>
-      <p:sp>
-        <p:nvSpPr>
-          <p:cNvPr id="18" name="Rectangle 17">
-            <a:extLst>
-              <a:ext uri="{FF2B5EF4-FFF2-40B4-BE49-F238E27FC236}">
-                <a16:creationId xmlns:a16="http://schemas.microsoft.com/office/drawing/2014/main" id="{EF4AB109-6FDB-4B0B-84C5-2EC293FD0417}"/>
-              </a:ext>
-            </a:extLst>
-          </p:cNvPr>
-          <p:cNvSpPr/>
-          <p:nvPr/>
-        </p:nvSpPr>
-        <p:spPr>
-          <a:xfrm>
-            <a:off x="653796" y="2868440"/>
-            <a:ext cx="6601206" cy="369332"/>
-          </a:xfrm>
-          <a:prstGeom prst="rect">
-            <a:avLst/>
-          </a:prstGeom>
-        </p:spPr>
-        <p:txBody>
-          <a:bodyPr wrap="square">
-            <a:spAutoFit/>
-          </a:bodyPr>
-          <a:lstStyle/>
-          <a:p>
-            <a:pPr marL="742950" lvl="1" indent="-285750">
-              <a:buFont typeface="Arial" panose="020B0604020202020204" pitchFamily="34" charset="0"/>
-              <a:buChar char="•"/>
-            </a:pPr>
-            <a:r>
-              <a:rPr lang="en-US" dirty="0"/>
-              <a:t>Cluster Role</a:t>
-            </a:r>
-            <a:endParaRPr lang="en-US" sz="2500" dirty="0"/>
-          </a:p>
-        </p:txBody>
-      </p:sp>
-      <p:sp>
-        <p:nvSpPr>
-          <p:cNvPr id="19" name="Rectangle 18">
-            <a:extLst>
-              <a:ext uri="{FF2B5EF4-FFF2-40B4-BE49-F238E27FC236}">
-                <a16:creationId xmlns:a16="http://schemas.microsoft.com/office/drawing/2014/main" id="{4C90A9C6-DB2F-4B0D-842C-37DE9EDA4159}"/>
-              </a:ext>
-            </a:extLst>
-          </p:cNvPr>
-          <p:cNvSpPr/>
-          <p:nvPr/>
-        </p:nvSpPr>
-        <p:spPr>
-          <a:xfrm>
-            <a:off x="1119378" y="3331468"/>
-            <a:ext cx="6601206" cy="369332"/>
-          </a:xfrm>
-          <a:prstGeom prst="rect">
-            <a:avLst/>
-          </a:prstGeom>
-        </p:spPr>
-        <p:txBody>
-          <a:bodyPr wrap="square">
-            <a:spAutoFit/>
-          </a:bodyPr>
-          <a:lstStyle/>
-          <a:p>
-            <a:pPr marL="285750" indent="-285750">
-              <a:buFont typeface="Arial" panose="020B0604020202020204" pitchFamily="34" charset="0"/>
-              <a:buChar char="•"/>
-            </a:pPr>
-            <a:r>
-              <a:rPr lang="en-US" dirty="0" err="1"/>
+              <a:t>RBAC – </a:t>
+            </a:r>
+            <a:r>
+              <a:rPr lang="en-US" sz="4000" dirty="0" err="1">
+                <a:latin typeface="ArialMT"/>
+              </a:rPr>
               <a:t>RoleBinding</a:t>
             </a:r>
-            <a:endParaRPr lang="en-US" sz="2500" dirty="0"/>
-          </a:p>
-        </p:txBody>
-      </p:sp>
-      <p:sp>
-        <p:nvSpPr>
-          <p:cNvPr id="20" name="Rectangle 19">
-            <a:extLst>
-              <a:ext uri="{FF2B5EF4-FFF2-40B4-BE49-F238E27FC236}">
-                <a16:creationId xmlns:a16="http://schemas.microsoft.com/office/drawing/2014/main" id="{55B17C04-C960-4C22-913C-82DCB6557134}"/>
-              </a:ext>
-            </a:extLst>
-          </p:cNvPr>
-          <p:cNvSpPr/>
-          <p:nvPr/>
-        </p:nvSpPr>
-        <p:spPr>
-          <a:xfrm>
-            <a:off x="1119378" y="3802263"/>
-            <a:ext cx="6601206" cy="369332"/>
-          </a:xfrm>
-          <a:prstGeom prst="rect">
-            <a:avLst/>
-          </a:prstGeom>
-        </p:spPr>
-        <p:txBody>
-          <a:bodyPr wrap="square">
-            <a:spAutoFit/>
-          </a:bodyPr>
-          <a:lstStyle/>
-          <a:p>
-            <a:pPr marL="285750" indent="-285750">
-              <a:buFont typeface="Arial" panose="020B0604020202020204" pitchFamily="34" charset="0"/>
-              <a:buChar char="•"/>
-            </a:pPr>
-            <a:r>
-              <a:rPr lang="en-US" dirty="0" err="1"/>
-              <a:t>ClusterRoleBinding</a:t>
-            </a:r>
-            <a:endParaRPr lang="en-US" sz="2500" dirty="0"/>
+            <a:r>
+              <a:rPr lang="en-US" sz="4000" dirty="0">
+                <a:latin typeface="ArialMT"/>
+              </a:rPr>
+              <a:t> to Role</a:t>
+            </a:r>
           </a:p>
         </p:txBody>
       </p:sp>
     </p:spTree>
     <p:extLst>
       <p:ext uri="{BB962C8B-B14F-4D97-AF65-F5344CB8AC3E}">
-        <p14:creationId xmlns:p14="http://schemas.microsoft.com/office/powerpoint/2010/main" val="2194723015"/>
+        <p14:creationId xmlns:p14="http://schemas.microsoft.com/office/powerpoint/2010/main" val="1472637195"/>
       </p:ext>
     </p:extLst>
   </p:cSld>
@@ -19616,7 +19439,7 @@
                 </a:solidFill>
                 <a:latin typeface="Consolas" panose="020B0609020204030204" pitchFamily="49" charset="0"/>
               </a:rPr>
-              <a:t>: default</a:t>
+              <a:t>: test</a:t>
             </a:r>
           </a:p>
           <a:p>
@@ -19636,7 +19459,7 @@
                 </a:solidFill>
                 <a:latin typeface="Consolas" panose="020B0609020204030204" pitchFamily="49" charset="0"/>
               </a:rPr>
-              <a:t>: pod-reader</a:t>
+              <a:t>: pod-reader-create</a:t>
             </a:r>
           </a:p>
           <a:p>
@@ -19721,13 +19544,30 @@
                 </a:solidFill>
                 <a:latin typeface="Consolas" panose="020B0609020204030204" pitchFamily="49" charset="0"/>
               </a:rPr>
-              <a:t>indicates the core API group</a:t>
-            </a:r>
-          </a:p>
-          <a:p>
-            <a:r>
+              <a:t>indicates the core</a:t>
+            </a:r>
+            <a:br>
               <a:rPr lang="en-US" sz="2000" dirty="0">
                 <a:solidFill>
+                  <a:srgbClr val="333333"/>
+                </a:solidFill>
+                <a:latin typeface="Consolas" panose="020B0609020204030204" pitchFamily="49" charset="0"/>
+              </a:rPr>
+            </a:br>
+            <a:r>
+              <a:rPr lang="en-US" sz="2000" dirty="0">
+                <a:solidFill>
+                  <a:srgbClr val="333333"/>
+                </a:solidFill>
+                <a:latin typeface="Consolas" panose="020B0609020204030204" pitchFamily="49" charset="0"/>
+              </a:rPr>
+              <a:t>  API group</a:t>
+            </a:r>
+          </a:p>
+          <a:p>
+            <a:r>
+              <a:rPr lang="en-US" sz="2000" dirty="0">
+                <a:solidFill>
                   <a:srgbClr val="008181"/>
                 </a:solidFill>
                 <a:latin typeface="Consolas" panose="020B0609020204030204" pitchFamily="49" charset="0"/>
@@ -19806,7 +19646,7 @@
                 </a:solidFill>
                 <a:latin typeface="Consolas" panose="020B0609020204030204" pitchFamily="49" charset="0"/>
               </a:rPr>
-              <a:t>"watch"</a:t>
+              <a:t>“list"</a:t>
             </a:r>
             <a:r>
               <a:rPr lang="en-US" sz="2000" dirty="0">
@@ -19824,7 +19664,7 @@
                 </a:solidFill>
                 <a:latin typeface="Consolas" panose="020B0609020204030204" pitchFamily="49" charset="0"/>
               </a:rPr>
-              <a:t>"list"</a:t>
+              <a:t>“create"</a:t>
             </a:r>
             <a:r>
               <a:rPr lang="en-US" sz="2000" dirty="0">
@@ -20102,7 +19942,7 @@
                 </a:solidFill>
                 <a:latin typeface="Consolas" panose="020B0609020204030204" pitchFamily="49" charset="0"/>
               </a:rPr>
-              <a:t>"jane" </a:t>
+              <a:t>"</a:t>
             </a:r>
             <a:r>
               <a:rPr lang="en-US" dirty="0">
@@ -20111,7 +19951,60 @@
                 </a:solidFill>
                 <a:latin typeface="Consolas" panose="020B0609020204030204" pitchFamily="49" charset="0"/>
               </a:rPr>
-              <a:t>to read pods </a:t>
+              <a:t> </a:t>
+            </a:r>
+            <a:r>
+              <a:rPr lang="en-US" dirty="0" err="1">
+                <a:solidFill>
+                  <a:srgbClr val="333333"/>
+                </a:solidFill>
+                <a:latin typeface="Consolas" panose="020B0609020204030204" pitchFamily="49" charset="0"/>
+              </a:rPr>
+              <a:t>jsalmeron</a:t>
+            </a:r>
+            <a:r>
+              <a:rPr lang="en-US" dirty="0">
+                <a:solidFill>
+                  <a:srgbClr val="333333"/>
+                </a:solidFill>
+                <a:latin typeface="Consolas" panose="020B0609020204030204" pitchFamily="49" charset="0"/>
+              </a:rPr>
+              <a:t> </a:t>
+            </a:r>
+            <a:r>
+              <a:rPr lang="en-US" dirty="0">
+                <a:solidFill>
+                  <a:srgbClr val="DE1144"/>
+                </a:solidFill>
+                <a:latin typeface="Consolas" panose="020B0609020204030204" pitchFamily="49" charset="0"/>
+              </a:rPr>
+              <a:t>" </a:t>
+            </a:r>
+            <a:r>
+              <a:rPr lang="en-US" dirty="0">
+                <a:solidFill>
+                  <a:srgbClr val="333333"/>
+                </a:solidFill>
+                <a:latin typeface="Consolas" panose="020B0609020204030204" pitchFamily="49" charset="0"/>
+              </a:rPr>
+              <a:t>to</a:t>
+            </a:r>
+            <a:br>
+              <a:rPr lang="en-US" dirty="0">
+                <a:solidFill>
+                  <a:srgbClr val="333333"/>
+                </a:solidFill>
+                <a:latin typeface="Consolas" panose="020B0609020204030204" pitchFamily="49" charset="0"/>
+              </a:rPr>
+            </a:br>
+            <a:r>
+              <a:rPr lang="en-US" dirty="0">
+                <a:solidFill>
+                  <a:srgbClr val="333333"/>
+                </a:solidFill>
+                <a:latin typeface="Consolas" panose="020B0609020204030204" pitchFamily="49" charset="0"/>
+              </a:rPr>
+              <a:t>  read pods </a:t>
             </a:r>
             <a:r>
               <a:rPr lang="en-US" b="1" dirty="0">
@@ -20138,7 +20031,7 @@
                 </a:solidFill>
                 <a:latin typeface="Consolas" panose="020B0609020204030204" pitchFamily="49" charset="0"/>
               </a:rPr>
-              <a:t>"default" </a:t>
+              <a:t>“test" </a:t>
             </a:r>
             <a:r>
               <a:rPr lang="en-US" dirty="0">
@@ -20224,10 +20117,17 @@
                 </a:solidFill>
                 <a:latin typeface="Consolas" panose="020B0609020204030204" pitchFamily="49" charset="0"/>
               </a:rPr>
-              <a:t>	name: read-pods</a:t>
-            </a:r>
-          </a:p>
-          <a:p>
+              <a:t>	name: </a:t>
+            </a:r>
+            <a:r>
+              <a:rPr lang="en-US" dirty="0" err="1">
+                <a:solidFill>
+                  <a:srgbClr val="333333"/>
+                </a:solidFill>
+                <a:latin typeface="Consolas" panose="020B0609020204030204" pitchFamily="49" charset="0"/>
+              </a:rPr>
+              <a:t>salme</a:t>
+            </a:r>
             <a:r>
               <a:rPr lang="en-US" dirty="0">
                 <a:solidFill>
@@ -20235,16 +20135,27 @@
                 </a:solidFill>
                 <a:latin typeface="Consolas" panose="020B0609020204030204" pitchFamily="49" charset="0"/>
               </a:rPr>
+              <a:t>-pods</a:t>
+            </a:r>
+          </a:p>
+          <a:p>
+            <a:r>
+              <a:rPr lang="en-US" dirty="0">
+                <a:solidFill>
+                  <a:srgbClr val="333333"/>
+                </a:solidFill>
+                <a:latin typeface="Consolas" panose="020B0609020204030204" pitchFamily="49" charset="0"/>
+              </a:rPr>
               <a:t>	namespace: </a:t>
             </a:r>
             <a:r>
-              <a:rPr lang="en-US" b="1" dirty="0">
+              <a:rPr lang="en-US" dirty="0">
                 <a:solidFill>
                   <a:srgbClr val="333333"/>
                 </a:solidFill>
                 <a:latin typeface="Consolas-Bold"/>
               </a:rPr>
-              <a:t>default</a:t>
+              <a:t>test</a:t>
             </a:r>
           </a:p>
           <a:p>
@@ -20295,8 +20206,23 @@
                 </a:solidFill>
                 <a:latin typeface="Consolas" panose="020B0609020204030204" pitchFamily="49" charset="0"/>
               </a:rPr>
-              <a:t>	  name: jane</a:t>
-            </a:r>
+              <a:t>	  name: </a:t>
+            </a:r>
+            <a:r>
+              <a:rPr lang="en-US" dirty="0" err="1">
+                <a:solidFill>
+                  <a:srgbClr val="333333"/>
+                </a:solidFill>
+                <a:latin typeface="Consolas" panose="020B0609020204030204" pitchFamily="49" charset="0"/>
+              </a:rPr>
+              <a:t>jsalmeron</a:t>
+            </a:r>
+            <a:endParaRPr lang="en-US" dirty="0">
+              <a:solidFill>
+                <a:srgbClr val="333333"/>
+              </a:solidFill>
+              <a:latin typeface="Consolas" panose="020B0609020204030204" pitchFamily="49" charset="0"/>
+            </a:endParaRPr>
           </a:p>
           <a:p>
             <a:r>
@@ -20366,7 +20292,7 @@
                 </a:solidFill>
                 <a:latin typeface="Consolas" panose="020B0609020204030204" pitchFamily="49" charset="0"/>
               </a:rPr>
-              <a:t>	name: pod-reader</a:t>
+              <a:t>	name: pod-read-create</a:t>
             </a:r>
           </a:p>
           <a:p>
@@ -23060,13 +22986,7 @@
       </p:grpSpPr>
       <p:sp>
         <p:nvSpPr>
-          <p:cNvPr id="2" name="Title 1">
-            <a:extLst>
-              <a:ext uri="{FF2B5EF4-FFF2-40B4-BE49-F238E27FC236}">
-                <a16:creationId xmlns:a16="http://schemas.microsoft.com/office/drawing/2014/main" id="{2F382590-7070-4B06-833A-D285968AC89C}"/>
-              </a:ext>
-            </a:extLst>
-          </p:cNvPr>
+          <p:cNvPr id="4" name="Title 3"/>
           <p:cNvSpPr>
             <a:spLocks noGrp="1"/>
           </p:cNvSpPr>
@@ -23076,8 +22996,8 @@
         </p:nvSpPr>
         <p:spPr>
           <a:xfrm>
-            <a:off x="247939" y="3065853"/>
-            <a:ext cx="11436351" cy="517064"/>
+            <a:off x="404150" y="2823357"/>
+            <a:ext cx="10515600" cy="609398"/>
           </a:xfrm>
         </p:spPr>
         <p:txBody>
@@ -23085,16 +23005,17 @@
           <a:lstStyle/>
           <a:p>
             <a:r>
-              <a:rPr lang="en-US" dirty="0"/>
+              <a:rPr lang="en-US" sz="4400" dirty="0"/>
               <a:t>Service Discovery in Kubernetes</a:t>
             </a:r>
+            <a:endParaRPr lang="en-IN" sz="4400" dirty="0"/>
           </a:p>
         </p:txBody>
       </p:sp>
     </p:spTree>
     <p:extLst>
       <p:ext uri="{BB962C8B-B14F-4D97-AF65-F5344CB8AC3E}">
-        <p14:creationId xmlns:p14="http://schemas.microsoft.com/office/powerpoint/2010/main" val="544441482"/>
+        <p14:creationId xmlns:p14="http://schemas.microsoft.com/office/powerpoint/2010/main" val="1015790081"/>
       </p:ext>
     </p:extLst>
   </p:cSld>
